--- a/week6_pythonI/week6_python.pptx
+++ b/week6_pythonI/week6_python.pptx
@@ -5,7 +5,7 @@
     <p:sldMasterId id="2147483648" r:id="rId1"/>
   </p:sldMasterIdLst>
   <p:notesMasterIdLst>
-    <p:notesMasterId r:id="rId14"/>
+    <p:notesMasterId r:id="rId15"/>
   </p:notesMasterIdLst>
   <p:sldIdLst>
     <p:sldId id="256" r:id="rId2"/>
@@ -20,6 +20,7 @@
     <p:sldId id="308" r:id="rId11"/>
     <p:sldId id="318" r:id="rId12"/>
     <p:sldId id="286" r:id="rId13"/>
+    <p:sldId id="320" r:id="rId14"/>
   </p:sldIdLst>
   <p:sldSz cx="12192000" cy="6858000"/>
   <p:notesSz cx="6858000" cy="9144000"/>
@@ -4419,7 +4420,7 @@
               <a:rPr lang="en-US" sz="2200" b="1" dirty="0">
                 <a:latin typeface="Helvetica Light" panose="020B0403020202020204" pitchFamily="34" charset="0"/>
               </a:rPr>
-              <a:t>q**2)</a:t>
+              <a:t>q**2 = 1)</a:t>
             </a:r>
           </a:p>
         </p:txBody>
@@ -5235,6 +5236,246 @@
 </p:sld>
 </file>
 
+<file path=ppt/slides/slide13.xml><?xml version="1.0" encoding="utf-8"?>
+<p:sld xmlns:a="http://schemas.openxmlformats.org/drawingml/2006/main" xmlns:r="http://schemas.openxmlformats.org/officeDocument/2006/relationships" xmlns:p="http://schemas.openxmlformats.org/presentationml/2006/main">
+  <p:cSld>
+    <p:spTree>
+      <p:nvGrpSpPr>
+        <p:cNvPr id="1" name=""/>
+        <p:cNvGrpSpPr/>
+        <p:nvPr/>
+      </p:nvGrpSpPr>
+      <p:grpSpPr>
+        <a:xfrm>
+          <a:off x="0" y="0"/>
+          <a:ext cx="0" cy="0"/>
+          <a:chOff x="0" y="0"/>
+          <a:chExt cx="0" cy="0"/>
+        </a:xfrm>
+      </p:grpSpPr>
+      <p:sp>
+        <p:nvSpPr>
+          <p:cNvPr id="2" name="TextBox 1">
+            <a:extLst>
+              <a:ext uri="{FF2B5EF4-FFF2-40B4-BE49-F238E27FC236}">
+                <a16:creationId xmlns:a16="http://schemas.microsoft.com/office/drawing/2014/main" id="{F2506A35-DA43-FB4C-BEF3-FE4EEC3D95B4}"/>
+              </a:ext>
+            </a:extLst>
+          </p:cNvPr>
+          <p:cNvSpPr txBox="1"/>
+          <p:nvPr/>
+        </p:nvSpPr>
+        <p:spPr>
+          <a:xfrm>
+            <a:off x="882925" y="433160"/>
+            <a:ext cx="3515706" cy="553998"/>
+          </a:xfrm>
+          <a:prstGeom prst="rect">
+            <a:avLst/>
+          </a:prstGeom>
+          <a:noFill/>
+        </p:spPr>
+        <p:txBody>
+          <a:bodyPr wrap="none" rtlCol="0">
+            <a:spAutoFit/>
+          </a:bodyPr>
+          <a:lstStyle/>
+          <a:p>
+            <a:r>
+              <a:rPr lang="en-US" sz="3000" b="1" dirty="0">
+                <a:latin typeface="Helvetica Light" panose="020B0403020202020204" pitchFamily="34" charset="0"/>
+              </a:rPr>
+              <a:t>Notes on schedule:</a:t>
+            </a:r>
+          </a:p>
+        </p:txBody>
+      </p:sp>
+      <p:sp>
+        <p:nvSpPr>
+          <p:cNvPr id="3" name="TextBox 2">
+            <a:extLst>
+              <a:ext uri="{FF2B5EF4-FFF2-40B4-BE49-F238E27FC236}">
+                <a16:creationId xmlns:a16="http://schemas.microsoft.com/office/drawing/2014/main" id="{26A6A57C-3E55-AB49-8F7A-BD8712B63F69}"/>
+              </a:ext>
+            </a:extLst>
+          </p:cNvPr>
+          <p:cNvSpPr txBox="1"/>
+          <p:nvPr/>
+        </p:nvSpPr>
+        <p:spPr>
+          <a:xfrm>
+            <a:off x="586712" y="1382286"/>
+            <a:ext cx="10267121" cy="5755422"/>
+          </a:xfrm>
+          <a:prstGeom prst="rect">
+            <a:avLst/>
+          </a:prstGeom>
+          <a:noFill/>
+        </p:spPr>
+        <p:txBody>
+          <a:bodyPr wrap="square" rtlCol="0">
+            <a:spAutoFit/>
+          </a:bodyPr>
+          <a:lstStyle/>
+          <a:p>
+            <a:r>
+              <a:rPr lang="en-US" sz="2400" b="1" dirty="0">
+                <a:latin typeface="Helvetica Light" panose="020B0403020202020204" pitchFamily="34" charset="0"/>
+              </a:rPr>
+              <a:t>I.</a:t>
+            </a:r>
+            <a:r>
+              <a:rPr lang="en-US" sz="2400" dirty="0">
+                <a:latin typeface="Helvetica Light" panose="020B0403020202020204" pitchFamily="34" charset="0"/>
+              </a:rPr>
+              <a:t>1-2 pager independent project description along with python3 assignment next week (by 10/18)</a:t>
+            </a:r>
+          </a:p>
+          <a:p>
+            <a:pPr marL="514350" indent="-514350">
+              <a:buAutoNum type="arabicPeriod"/>
+            </a:pPr>
+            <a:endParaRPr lang="en-US" sz="2400" dirty="0">
+              <a:latin typeface="Helvetica Light" panose="020B0403020202020204" pitchFamily="34" charset="0"/>
+            </a:endParaRPr>
+          </a:p>
+          <a:p>
+            <a:r>
+              <a:rPr lang="en-US" sz="2400" dirty="0">
+                <a:latin typeface="Helvetica Light" panose="020B0403020202020204" pitchFamily="34" charset="0"/>
+              </a:rPr>
+              <a:t>If you don’t have datasets or specific ideas related to your graduate research, other options might include:</a:t>
+            </a:r>
+          </a:p>
+          <a:p>
+            <a:endParaRPr lang="en-US" sz="2400" dirty="0">
+              <a:latin typeface="Helvetica Light" panose="020B0403020202020204" pitchFamily="34" charset="0"/>
+            </a:endParaRPr>
+          </a:p>
+          <a:p>
+            <a:pPr marL="342900" indent="-342900">
+              <a:buFontTx/>
+              <a:buChar char="-"/>
+            </a:pPr>
+            <a:r>
+              <a:rPr lang="en-US" sz="2400" dirty="0">
+                <a:latin typeface="Helvetica Light" panose="020B0403020202020204" pitchFamily="34" charset="0"/>
+              </a:rPr>
+              <a:t>Build a </a:t>
+            </a:r>
+            <a:r>
+              <a:rPr lang="en-US" sz="2400" b="1" dirty="0" err="1">
+                <a:latin typeface="Helvetica Light" panose="020B0403020202020204" pitchFamily="34" charset="0"/>
+              </a:rPr>
+              <a:t>jupyter</a:t>
+            </a:r>
+            <a:r>
+              <a:rPr lang="en-US" sz="2400" b="1" dirty="0">
+                <a:latin typeface="Helvetica Light" panose="020B0403020202020204" pitchFamily="34" charset="0"/>
+              </a:rPr>
+              <a:t> notebook </a:t>
+            </a:r>
+            <a:r>
+              <a:rPr lang="en-US" sz="2400" dirty="0">
+                <a:latin typeface="Helvetica Light" panose="020B0403020202020204" pitchFamily="34" charset="0"/>
+              </a:rPr>
+              <a:t>or </a:t>
+            </a:r>
+            <a:r>
+              <a:rPr lang="en-US" sz="2400" b="1" dirty="0" err="1">
+                <a:latin typeface="Helvetica Light" panose="020B0403020202020204" pitchFamily="34" charset="0"/>
+              </a:rPr>
+              <a:t>Rmd</a:t>
+            </a:r>
+            <a:r>
+              <a:rPr lang="en-US" sz="2400" dirty="0">
+                <a:latin typeface="Helvetica Light" panose="020B0403020202020204" pitchFamily="34" charset="0"/>
+              </a:rPr>
+              <a:t> tutorial or demo for a specific python module (package) that you have an interest in learning in more detail or applying in your future work </a:t>
+            </a:r>
+            <a:r>
+              <a:rPr lang="en-US" sz="2000" dirty="0">
+                <a:latin typeface="Helvetica Light" panose="020B0403020202020204" pitchFamily="34" charset="0"/>
+              </a:rPr>
+              <a:t>(we will cover </a:t>
+            </a:r>
+            <a:r>
+              <a:rPr lang="en-US" sz="2000" dirty="0" err="1">
+                <a:latin typeface="Helvetica Light" panose="020B0403020202020204" pitchFamily="34" charset="0"/>
+              </a:rPr>
+              <a:t>Jupyter</a:t>
+            </a:r>
+            <a:r>
+              <a:rPr lang="en-US" sz="2000" dirty="0">
+                <a:latin typeface="Helvetica Light" panose="020B0403020202020204" pitchFamily="34" charset="0"/>
+              </a:rPr>
+              <a:t> and R markdown in detail during week of Nov. 15, syllabus modifications pending).</a:t>
+            </a:r>
+          </a:p>
+          <a:p>
+            <a:pPr marL="342900" indent="-342900">
+              <a:buFontTx/>
+              <a:buChar char="-"/>
+            </a:pPr>
+            <a:endParaRPr lang="en-US" sz="2000" dirty="0">
+              <a:latin typeface="Helvetica Light" panose="020B0403020202020204" pitchFamily="34" charset="0"/>
+            </a:endParaRPr>
+          </a:p>
+          <a:p>
+            <a:r>
+              <a:rPr lang="en-US" sz="2400" b="1" dirty="0">
+                <a:latin typeface="Helvetica Light" panose="020B0403020202020204" pitchFamily="34" charset="0"/>
+              </a:rPr>
+              <a:t>II. </a:t>
+            </a:r>
+            <a:r>
+              <a:rPr lang="en-US" sz="2400" dirty="0">
+                <a:latin typeface="Helvetica Light" panose="020B0403020202020204" pitchFamily="34" charset="0"/>
+              </a:rPr>
+              <a:t>Assignments to have turned in by now: Unix 4 (bash script with for loop), Python1, Python2.</a:t>
+            </a:r>
+            <a:endParaRPr lang="en-US" sz="2400" b="1" dirty="0">
+              <a:latin typeface="Helvetica Light" panose="020B0403020202020204" pitchFamily="34" charset="0"/>
+            </a:endParaRPr>
+          </a:p>
+          <a:p>
+            <a:pPr marL="342900" indent="-342900">
+              <a:buFontTx/>
+              <a:buChar char="-"/>
+            </a:pPr>
+            <a:endParaRPr lang="en-US" sz="2000" dirty="0">
+              <a:latin typeface="Helvetica Light" panose="020B0403020202020204" pitchFamily="34" charset="0"/>
+            </a:endParaRPr>
+          </a:p>
+          <a:p>
+            <a:pPr marL="342900" indent="-342900">
+              <a:buFontTx/>
+              <a:buChar char="-"/>
+            </a:pPr>
+            <a:endParaRPr lang="en-US" sz="2000" dirty="0">
+              <a:latin typeface="Helvetica Light" panose="020B0403020202020204" pitchFamily="34" charset="0"/>
+            </a:endParaRPr>
+          </a:p>
+          <a:p>
+            <a:endParaRPr lang="en-US" sz="2400" dirty="0">
+              <a:latin typeface="Helvetica Light" panose="020B0403020202020204" pitchFamily="34" charset="0"/>
+            </a:endParaRPr>
+          </a:p>
+        </p:txBody>
+      </p:sp>
+    </p:spTree>
+    <p:extLst>
+      <p:ext uri="{BB962C8B-B14F-4D97-AF65-F5344CB8AC3E}">
+        <p14:creationId xmlns:p14="http://schemas.microsoft.com/office/powerpoint/2010/main" val="2091714666"/>
+      </p:ext>
+    </p:extLst>
+  </p:cSld>
+  <p:clrMapOvr>
+    <a:masterClrMapping/>
+  </p:clrMapOvr>
+</p:sld>
+</file>
+
 <file path=ppt/slides/slide2.xml><?xml version="1.0" encoding="utf-8"?>
 <p:sld xmlns:a="http://schemas.openxmlformats.org/drawingml/2006/main" xmlns:r="http://schemas.openxmlformats.org/officeDocument/2006/relationships" xmlns:p="http://schemas.openxmlformats.org/presentationml/2006/main">
   <p:cSld>
@@ -6885,7 +7126,7 @@
         <p:spPr>
           <a:xfrm>
             <a:off x="921264" y="4051855"/>
-            <a:ext cx="5282215" cy="523220"/>
+            <a:ext cx="10836621" cy="523220"/>
           </a:xfrm>
           <a:prstGeom prst="rect">
             <a:avLst/>
@@ -6908,7 +7149,7 @@
               <a:rPr lang="en-US" sz="2800" dirty="0">
                 <a:latin typeface="Helvetica Light" panose="020B0403020202020204" pitchFamily="34" charset="0"/>
               </a:rPr>
-              <a:t>: ' floating’ decimal point </a:t>
+              <a:t>: ' floating’ decimal point (all is means is there is a decimal)</a:t>
             </a:r>
           </a:p>
         </p:txBody>

--- a/week6_pythonI/week6_python.pptx
+++ b/week6_pythonI/week6_python.pptx
@@ -5267,7 +5267,7 @@
         </p:nvSpPr>
         <p:spPr>
           <a:xfrm>
-            <a:off x="882925" y="433160"/>
+            <a:off x="882925" y="262338"/>
             <a:ext cx="3515706" cy="553998"/>
           </a:xfrm>
           <a:prstGeom prst="rect">
@@ -5304,8 +5304,8 @@
         </p:nvSpPr>
         <p:spPr>
           <a:xfrm>
-            <a:off x="586712" y="1382286"/>
-            <a:ext cx="10267121" cy="5755422"/>
+            <a:off x="496276" y="1002094"/>
+            <a:ext cx="10267121" cy="6848029"/>
           </a:xfrm>
           <a:prstGeom prst="rect">
             <a:avLst/>
@@ -5319,13 +5319,13 @@
           <a:lstStyle/>
           <a:p>
             <a:r>
-              <a:rPr lang="en-US" sz="2400" b="1" dirty="0">
+              <a:rPr lang="en-US" sz="2300" b="1" dirty="0">
                 <a:latin typeface="Helvetica Light" panose="020B0403020202020204" pitchFamily="34" charset="0"/>
               </a:rPr>
               <a:t>I.</a:t>
             </a:r>
             <a:r>
-              <a:rPr lang="en-US" sz="2400" dirty="0">
+              <a:rPr lang="en-US" sz="2300" dirty="0">
                 <a:latin typeface="Helvetica Light" panose="020B0403020202020204" pitchFamily="34" charset="0"/>
               </a:rPr>
               <a:t>1-2 pager independent project description along with python3 assignment next week (by 10/18)</a:t>
@@ -5335,20 +5335,20 @@
             <a:pPr marL="514350" indent="-514350">
               <a:buAutoNum type="arabicPeriod"/>
             </a:pPr>
-            <a:endParaRPr lang="en-US" sz="2400" dirty="0">
+            <a:endParaRPr lang="en-US" sz="2300" dirty="0">
               <a:latin typeface="Helvetica Light" panose="020B0403020202020204" pitchFamily="34" charset="0"/>
             </a:endParaRPr>
           </a:p>
           <a:p>
             <a:r>
-              <a:rPr lang="en-US" sz="2400" dirty="0">
-                <a:latin typeface="Helvetica Light" panose="020B0403020202020204" pitchFamily="34" charset="0"/>
-              </a:rPr>
-              <a:t>If you don’t have datasets or specific ideas related to your graduate research, other options might include:</a:t>
-            </a:r>
-          </a:p>
-          <a:p>
-            <a:endParaRPr lang="en-US" sz="2400" dirty="0">
+              <a:rPr lang="en-US" sz="2300" dirty="0">
+                <a:latin typeface="Helvetica Light" panose="020B0403020202020204" pitchFamily="34" charset="0"/>
+              </a:rPr>
+              <a:t>If you don’t have datasets or specific ideas related to your research, other options might include:</a:t>
+            </a:r>
+          </a:p>
+          <a:p>
+            <a:endParaRPr lang="en-US" sz="2300" dirty="0">
               <a:latin typeface="Helvetica Light" panose="020B0403020202020204" pitchFamily="34" charset="0"/>
             </a:endParaRPr>
           </a:p>
@@ -5358,37 +5358,37 @@
               <a:buChar char="-"/>
             </a:pPr>
             <a:r>
-              <a:rPr lang="en-US" sz="2400" dirty="0">
+              <a:rPr lang="en-US" sz="2300" dirty="0">
                 <a:latin typeface="Helvetica Light" panose="020B0403020202020204" pitchFamily="34" charset="0"/>
               </a:rPr>
               <a:t>Build a </a:t>
             </a:r>
             <a:r>
-              <a:rPr lang="en-US" sz="2400" b="1" dirty="0" err="1">
+              <a:rPr lang="en-US" sz="2300" b="1" dirty="0" err="1">
                 <a:latin typeface="Helvetica Light" panose="020B0403020202020204" pitchFamily="34" charset="0"/>
               </a:rPr>
               <a:t>jupyter</a:t>
             </a:r>
             <a:r>
-              <a:rPr lang="en-US" sz="2400" b="1" dirty="0">
+              <a:rPr lang="en-US" sz="2300" b="1" dirty="0">
                 <a:latin typeface="Helvetica Light" panose="020B0403020202020204" pitchFamily="34" charset="0"/>
               </a:rPr>
               <a:t> notebook </a:t>
             </a:r>
             <a:r>
-              <a:rPr lang="en-US" sz="2400" dirty="0">
+              <a:rPr lang="en-US" sz="2300" dirty="0">
                 <a:latin typeface="Helvetica Light" panose="020B0403020202020204" pitchFamily="34" charset="0"/>
               </a:rPr>
               <a:t>or </a:t>
             </a:r>
             <a:r>
-              <a:rPr lang="en-US" sz="2400" b="1" dirty="0" err="1">
+              <a:rPr lang="en-US" sz="2300" b="1" dirty="0" err="1">
                 <a:latin typeface="Helvetica Light" panose="020B0403020202020204" pitchFamily="34" charset="0"/>
               </a:rPr>
               <a:t>Rmd</a:t>
             </a:r>
             <a:r>
-              <a:rPr lang="en-US" sz="2400" dirty="0">
+              <a:rPr lang="en-US" sz="2300" dirty="0">
                 <a:latin typeface="Helvetica Light" panose="020B0403020202020204" pitchFamily="34" charset="0"/>
               </a:rPr>
               <a:t> tutorial or demo for a specific python module (package) that you have an interest in learning in more detail or applying in your future work </a:t>
@@ -5411,6 +5411,92 @@
               </a:rPr>
               <a:t> and R markdown in detail during week of Nov. 15, syllabus modifications pending).</a:t>
             </a:r>
+          </a:p>
+          <a:p>
+            <a:pPr marL="342900" indent="-342900">
+              <a:buFontTx/>
+              <a:buChar char="-"/>
+            </a:pPr>
+            <a:endParaRPr lang="en-US" sz="2000" dirty="0">
+              <a:latin typeface="Helvetica Light" panose="020B0403020202020204" pitchFamily="34" charset="0"/>
+            </a:endParaRPr>
+          </a:p>
+          <a:p>
+            <a:pPr marL="342900" indent="-342900">
+              <a:buFontTx/>
+              <a:buChar char="-"/>
+            </a:pPr>
+            <a:r>
+              <a:rPr lang="en-US" sz="2000" dirty="0">
+                <a:latin typeface="Helvetica Light" panose="020B0403020202020204" pitchFamily="34" charset="0"/>
+              </a:rPr>
+              <a:t>Demo a </a:t>
+            </a:r>
+            <a:r>
+              <a:rPr lang="en-US" sz="2000" dirty="0" err="1">
+                <a:latin typeface="Helvetica Light" panose="020B0403020202020204" pitchFamily="34" charset="0"/>
+              </a:rPr>
+              <a:t>linux</a:t>
+            </a:r>
+            <a:r>
+              <a:rPr lang="en-US" sz="2000" dirty="0">
+                <a:latin typeface="Helvetica Light" panose="020B0403020202020204" pitchFamily="34" charset="0"/>
+              </a:rPr>
+              <a:t> based analysis workflow for analyses central to your research focus (example, </a:t>
+            </a:r>
+            <a:r>
+              <a:rPr lang="en-US" sz="2000" dirty="0" err="1">
+                <a:latin typeface="Helvetica Light" panose="020B0403020202020204" pitchFamily="34" charset="0"/>
+              </a:rPr>
+              <a:t>MetaPhlAl</a:t>
+            </a:r>
+            <a:r>
+              <a:rPr lang="en-US" sz="2000" dirty="0">
+                <a:latin typeface="Helvetica Light" panose="020B0403020202020204" pitchFamily="34" charset="0"/>
+              </a:rPr>
+              <a:t> workflow for metagenomic data; </a:t>
+            </a:r>
+            <a:r>
+              <a:rPr lang="en-US" sz="1200" dirty="0">
+                <a:latin typeface="Helvetica Light" panose="020B0403020202020204" pitchFamily="34" charset="0"/>
+              </a:rPr>
+              <a:t>https://</a:t>
+            </a:r>
+            <a:r>
+              <a:rPr lang="en-US" sz="1200" dirty="0" err="1">
+                <a:latin typeface="Helvetica Light" panose="020B0403020202020204" pitchFamily="34" charset="0"/>
+              </a:rPr>
+              <a:t>huttenhower.sph.harvard.edu</a:t>
+            </a:r>
+            <a:r>
+              <a:rPr lang="en-US" sz="1200" dirty="0">
+                <a:latin typeface="Helvetica Light" panose="020B0403020202020204" pitchFamily="34" charset="0"/>
+              </a:rPr>
+              <a:t>/</a:t>
+            </a:r>
+            <a:r>
+              <a:rPr lang="en-US" sz="1200" dirty="0" err="1">
+                <a:latin typeface="Helvetica Light" panose="020B0403020202020204" pitchFamily="34" charset="0"/>
+              </a:rPr>
+              <a:t>metaphlan</a:t>
+            </a:r>
+            <a:r>
+              <a:rPr lang="en-US" sz="1200" dirty="0">
+                <a:latin typeface="Helvetica Light" panose="020B0403020202020204" pitchFamily="34" charset="0"/>
+              </a:rPr>
+              <a:t>/</a:t>
+            </a:r>
+            <a:r>
+              <a:rPr lang="en-US" sz="1600" dirty="0">
+                <a:latin typeface="Helvetica Light" panose="020B0403020202020204" pitchFamily="34" charset="0"/>
+              </a:rPr>
+              <a:t>).</a:t>
+            </a:r>
+          </a:p>
+          <a:p>
+            <a:endParaRPr lang="en-US" sz="2000" dirty="0">
+              <a:latin typeface="Helvetica Light" panose="020B0403020202020204" pitchFamily="34" charset="0"/>
+            </a:endParaRPr>
           </a:p>
           <a:p>
             <a:pPr marL="342900" indent="-342900">

--- a/week6_pythonI/week6_python.pptx
+++ b/week6_pythonI/week6_python.pptx
@@ -5305,7 +5305,7 @@
         <p:spPr>
           <a:xfrm>
             <a:off x="496276" y="1002094"/>
-            <a:ext cx="10267121" cy="6848029"/>
+            <a:ext cx="11390924" cy="6848029"/>
           </a:xfrm>
           <a:prstGeom prst="rect">
             <a:avLst/>
@@ -5322,13 +5322,7 @@
               <a:rPr lang="en-US" sz="2300" b="1" dirty="0">
                 <a:latin typeface="Helvetica Light" panose="020B0403020202020204" pitchFamily="34" charset="0"/>
               </a:rPr>
-              <a:t>I.</a:t>
-            </a:r>
-            <a:r>
-              <a:rPr lang="en-US" sz="2300" dirty="0">
-                <a:latin typeface="Helvetica Light" panose="020B0403020202020204" pitchFamily="34" charset="0"/>
-              </a:rPr>
-              <a:t>1-2 pager independent project description along with python3 assignment next week (by 10/18)</a:t>
+              <a:t>I.1-2 pager independent project description along with python3 assignment next week (by 10/18)</a:t>
             </a:r>
           </a:p>
           <a:p>
@@ -5512,17 +5506,8 @@
               <a:rPr lang="en-US" sz="2400" b="1" dirty="0">
                 <a:latin typeface="Helvetica Light" panose="020B0403020202020204" pitchFamily="34" charset="0"/>
               </a:rPr>
-              <a:t>II. </a:t>
-            </a:r>
-            <a:r>
-              <a:rPr lang="en-US" sz="2400" dirty="0">
-                <a:latin typeface="Helvetica Light" panose="020B0403020202020204" pitchFamily="34" charset="0"/>
-              </a:rPr>
-              <a:t>Assignments to have turned in by now: Unix 4 (bash script with for loop), Python1, Python2.</a:t>
-            </a:r>
-            <a:endParaRPr lang="en-US" sz="2400" b="1" dirty="0">
-              <a:latin typeface="Helvetica Light" panose="020B0403020202020204" pitchFamily="34" charset="0"/>
-            </a:endParaRPr>
+              <a:t>II. Assignments to have turned in by now: Unix 4 (bash script with for loop), Python1, Python2.</a:t>
+            </a:r>
           </a:p>
           <a:p>
             <a:pPr marL="342900" indent="-342900">
